--- a/56事奉.pptx
+++ b/56事奉.pptx
@@ -7,12 +7,12 @@
   <p:sldIdLst>
     <p:sldId id="256" r:id="rId2"/>
     <p:sldId id="257" r:id="rId3"/>
-    <p:sldId id="261" r:id="rId4"/>
-    <p:sldId id="258" r:id="rId5"/>
-    <p:sldId id="259" r:id="rId6"/>
-    <p:sldId id="260" r:id="rId7"/>
+    <p:sldId id="262" r:id="rId4"/>
+    <p:sldId id="263" r:id="rId5"/>
+    <p:sldId id="264" r:id="rId6"/>
+    <p:sldId id="265" r:id="rId7"/>
   </p:sldIdLst>
-  <p:sldSz cx="9144000" cy="6858000" type="screen4x3"/>
+  <p:sldSz cx="12192000" cy="6858000"/>
   <p:notesSz cx="6858000" cy="9144000"/>
   <p:defaultTextStyle>
     <a:defPPr>
@@ -109,6 +109,22 @@
       </a:defRPr>
     </a:lvl9pPr>
   </p:defaultTextStyle>
+  <p:extLst>
+    <p:ext uri="{EFAFB233-063F-42B5-8137-9DF3F51BA10A}">
+      <p15:sldGuideLst xmlns:p15="http://schemas.microsoft.com/office/powerpoint/2012/main">
+        <p15:guide id="1" orient="horz" pos="2160" userDrawn="1">
+          <p15:clr>
+            <a:srgbClr val="A4A3A4"/>
+          </p15:clr>
+        </p15:guide>
+        <p15:guide id="2" pos="3840" userDrawn="1">
+          <p15:clr>
+            <a:srgbClr val="A4A3A4"/>
+          </p15:clr>
+        </p15:guide>
+      </p15:sldGuideLst>
+    </p:ext>
+  </p:extLst>
 </p:presentation>
 </file>
 
@@ -146,8 +162,8 @@
         </p:nvSpPr>
         <p:spPr>
           <a:xfrm>
-            <a:off x="2286000" y="3124200"/>
-            <a:ext cx="6172200" cy="1894362"/>
+            <a:off x="3048000" y="3124200"/>
+            <a:ext cx="8229600" cy="1894362"/>
           </a:xfrm>
         </p:spPr>
         <p:txBody>
@@ -178,8 +194,8 @@
         </p:nvSpPr>
         <p:spPr>
           <a:xfrm>
-            <a:off x="2286000" y="5003322"/>
-            <a:ext cx="6172200" cy="1371600"/>
+            <a:off x="3048000" y="5003322"/>
+            <a:ext cx="8229600" cy="1371600"/>
           </a:xfrm>
         </p:spPr>
         <p:txBody>
@@ -239,8 +255,8 @@
         </p:nvSpPr>
         <p:spPr bwMode="auto">
           <a:xfrm rot="5400000">
-            <a:off x="7764621" y="1174097"/>
-            <a:ext cx="2286000" cy="381000"/>
+            <a:off x="10733828" y="1110597"/>
+            <a:ext cx="2286000" cy="508000"/>
           </a:xfrm>
         </p:spPr>
         <p:txBody>
@@ -250,7 +266,7 @@
             <a:fld id="{86B5546F-C09B-4E63-ABC5-F7C86A7E8D66}" type="datetimeFigureOut">
               <a:rPr lang="en-US" smtClean="0"/>
               <a:pPr/>
-              <a:t>9/24/2017</a:t>
+              <a:t>1/4/2020</a:t>
             </a:fld>
             <a:endParaRPr lang="en-US"/>
           </a:p>
@@ -268,8 +284,8 @@
         </p:nvSpPr>
         <p:spPr bwMode="auto">
           <a:xfrm rot="5400000">
-            <a:off x="7077269" y="4181669"/>
-            <a:ext cx="3657600" cy="384048"/>
+            <a:off x="10045959" y="4117661"/>
+            <a:ext cx="3657600" cy="512064"/>
           </a:xfrm>
         </p:spPr>
         <p:txBody>
@@ -288,8 +304,8 @@
         </p:nvSpPr>
         <p:spPr bwMode="auto">
           <a:xfrm>
-            <a:off x="381000" y="0"/>
-            <a:ext cx="609600" cy="6858000"/>
+            <a:off x="508000" y="0"/>
+            <a:ext cx="812800" cy="6858000"/>
           </a:xfrm>
           <a:prstGeom prst="rect">
             <a:avLst/>
@@ -325,7 +341,7 @@
           <a:lstStyle/>
           <a:p>
             <a:pPr algn="ctr" eaLnBrk="1" latinLnBrk="0" hangingPunct="1"/>
-            <a:endParaRPr kumimoji="0" lang="en-US"/>
+            <a:endParaRPr kumimoji="0" lang="en-US" sz="1800"/>
           </a:p>
         </p:txBody>
       </p:sp>
@@ -337,8 +353,8 @@
         </p:nvSpPr>
         <p:spPr bwMode="auto">
           <a:xfrm>
-            <a:off x="276336" y="0"/>
-            <a:ext cx="104664" cy="6858000"/>
+            <a:off x="368448" y="0"/>
+            <a:ext cx="139552" cy="6858000"/>
           </a:xfrm>
           <a:prstGeom prst="rect">
             <a:avLst/>
@@ -374,7 +390,7 @@
           <a:lstStyle/>
           <a:p>
             <a:pPr algn="ctr" eaLnBrk="1" latinLnBrk="0" hangingPunct="1"/>
-            <a:endParaRPr kumimoji="0" lang="en-US"/>
+            <a:endParaRPr kumimoji="0" lang="en-US" sz="1800"/>
           </a:p>
         </p:txBody>
       </p:sp>
@@ -386,8 +402,8 @@
         </p:nvSpPr>
         <p:spPr bwMode="auto">
           <a:xfrm>
-            <a:off x="990600" y="0"/>
-            <a:ext cx="181872" cy="6858000"/>
+            <a:off x="1320800" y="0"/>
+            <a:ext cx="242496" cy="6858000"/>
           </a:xfrm>
           <a:prstGeom prst="rect">
             <a:avLst/>
@@ -423,7 +439,7 @@
           <a:lstStyle/>
           <a:p>
             <a:pPr algn="ctr" eaLnBrk="1" latinLnBrk="0" hangingPunct="1"/>
-            <a:endParaRPr kumimoji="0" lang="en-US"/>
+            <a:endParaRPr kumimoji="0" lang="en-US" sz="1800"/>
           </a:p>
         </p:txBody>
       </p:sp>
@@ -435,8 +451,8 @@
         </p:nvSpPr>
         <p:spPr bwMode="auto">
           <a:xfrm>
-            <a:off x="1141320" y="0"/>
-            <a:ext cx="230280" cy="6858000"/>
+            <a:off x="1521760" y="0"/>
+            <a:ext cx="307040" cy="6858000"/>
           </a:xfrm>
           <a:prstGeom prst="rect">
             <a:avLst/>
@@ -472,7 +488,7 @@
           <a:lstStyle/>
           <a:p>
             <a:pPr algn="ctr" eaLnBrk="1" latinLnBrk="0" hangingPunct="1"/>
-            <a:endParaRPr kumimoji="0" lang="en-US"/>
+            <a:endParaRPr kumimoji="0" lang="en-US" sz="1800"/>
           </a:p>
         </p:txBody>
       </p:sp>
@@ -486,7 +502,7 @@
         </p:nvSpPr>
         <p:spPr bwMode="auto">
           <a:xfrm>
-            <a:off x="106344" y="0"/>
+            <a:off x="141792" y="0"/>
             <a:ext cx="0" cy="6858000"/>
           </a:xfrm>
           <a:prstGeom prst="line">
@@ -511,7 +527,7 @@
           <a:bodyPr vert="horz" wrap="square" lIns="91440" tIns="45720" rIns="91440" bIns="45720" anchor="t" compatLnSpc="1"/>
           <a:lstStyle/>
           <a:p>
-            <a:endParaRPr kumimoji="0" lang="en-US"/>
+            <a:endParaRPr kumimoji="0" lang="en-US" sz="1800"/>
           </a:p>
         </p:txBody>
       </p:sp>
@@ -525,7 +541,7 @@
         </p:nvSpPr>
         <p:spPr bwMode="auto">
           <a:xfrm>
-            <a:off x="914400" y="0"/>
+            <a:off x="1219200" y="0"/>
             <a:ext cx="0" cy="6858000"/>
           </a:xfrm>
           <a:prstGeom prst="line">
@@ -550,7 +566,7 @@
           <a:bodyPr vert="horz" wrap="square" lIns="91440" tIns="45720" rIns="91440" bIns="45720" anchor="t" compatLnSpc="1"/>
           <a:lstStyle/>
           <a:p>
-            <a:endParaRPr kumimoji="0" lang="en-US"/>
+            <a:endParaRPr kumimoji="0" lang="en-US" sz="1800"/>
           </a:p>
         </p:txBody>
       </p:sp>
@@ -564,7 +580,7 @@
         </p:nvSpPr>
         <p:spPr bwMode="auto">
           <a:xfrm>
-            <a:off x="854112" y="0"/>
+            <a:off x="1138816" y="0"/>
             <a:ext cx="0" cy="6858000"/>
           </a:xfrm>
           <a:prstGeom prst="line">
@@ -588,7 +604,7 @@
           <a:bodyPr vert="horz" wrap="square" lIns="91440" tIns="45720" rIns="91440" bIns="45720" anchor="t" compatLnSpc="1"/>
           <a:lstStyle/>
           <a:p>
-            <a:endParaRPr kumimoji="0" lang="en-US"/>
+            <a:endParaRPr kumimoji="0" lang="en-US" sz="1800"/>
           </a:p>
         </p:txBody>
       </p:sp>
@@ -602,7 +618,7 @@
         </p:nvSpPr>
         <p:spPr bwMode="auto">
           <a:xfrm>
-            <a:off x="1726640" y="0"/>
+            <a:off x="2302187" y="0"/>
             <a:ext cx="0" cy="6858000"/>
           </a:xfrm>
           <a:prstGeom prst="line">
@@ -627,7 +643,7 @@
           <a:bodyPr vert="horz" wrap="square" lIns="91440" tIns="45720" rIns="91440" bIns="45720" anchor="t" compatLnSpc="1"/>
           <a:lstStyle/>
           <a:p>
-            <a:endParaRPr kumimoji="0" lang="en-US"/>
+            <a:endParaRPr kumimoji="0" lang="en-US" sz="1800"/>
           </a:p>
         </p:txBody>
       </p:sp>
@@ -641,7 +657,7 @@
         </p:nvSpPr>
         <p:spPr bwMode="auto">
           <a:xfrm>
-            <a:off x="1066800" y="0"/>
+            <a:off x="1422400" y="0"/>
             <a:ext cx="0" cy="6858000"/>
           </a:xfrm>
           <a:prstGeom prst="line">
@@ -665,7 +681,7 @@
           <a:bodyPr vert="horz" wrap="square" lIns="91440" tIns="45720" rIns="91440" bIns="45720" anchor="t" compatLnSpc="1"/>
           <a:lstStyle/>
           <a:p>
-            <a:endParaRPr kumimoji="0" lang="en-US"/>
+            <a:endParaRPr kumimoji="0" lang="en-US" sz="1800"/>
           </a:p>
         </p:txBody>
       </p:sp>
@@ -679,7 +695,7 @@
         </p:nvSpPr>
         <p:spPr bwMode="auto">
           <a:xfrm>
-            <a:off x="9113856" y="0"/>
+            <a:off x="12151808" y="0"/>
             <a:ext cx="0" cy="6858000"/>
           </a:xfrm>
           <a:prstGeom prst="line">
@@ -703,7 +719,7 @@
           <a:bodyPr vert="horz" wrap="square" lIns="91440" tIns="45720" rIns="91440" bIns="45720" anchor="t" compatLnSpc="1"/>
           <a:lstStyle/>
           <a:p>
-            <a:endParaRPr kumimoji="0" lang="en-US"/>
+            <a:endParaRPr kumimoji="0" lang="en-US" sz="1800"/>
           </a:p>
         </p:txBody>
       </p:sp>
@@ -715,8 +731,8 @@
         </p:nvSpPr>
         <p:spPr bwMode="auto">
           <a:xfrm>
-            <a:off x="1219200" y="0"/>
-            <a:ext cx="76200" cy="6858000"/>
+            <a:off x="1625600" y="0"/>
+            <a:ext cx="101600" cy="6858000"/>
           </a:xfrm>
           <a:prstGeom prst="rect">
             <a:avLst/>
@@ -752,7 +768,7 @@
           <a:lstStyle/>
           <a:p>
             <a:pPr algn="ctr" eaLnBrk="1" latinLnBrk="0" hangingPunct="1"/>
-            <a:endParaRPr kumimoji="0" lang="en-US" dirty="0"/>
+            <a:endParaRPr kumimoji="0" lang="en-US" sz="1800" dirty="0"/>
           </a:p>
         </p:txBody>
       </p:sp>
@@ -764,8 +780,8 @@
         </p:nvSpPr>
         <p:spPr bwMode="auto">
           <a:xfrm>
-            <a:off x="609600" y="3429000"/>
-            <a:ext cx="1295400" cy="1295400"/>
+            <a:off x="812800" y="3429000"/>
+            <a:ext cx="1727200" cy="1295400"/>
           </a:xfrm>
           <a:prstGeom prst="ellipse">
             <a:avLst/>
@@ -798,7 +814,7 @@
           <a:lstStyle/>
           <a:p>
             <a:pPr algn="ctr" eaLnBrk="1" latinLnBrk="0" hangingPunct="1"/>
-            <a:endParaRPr kumimoji="0" lang="en-US" dirty="0"/>
+            <a:endParaRPr kumimoji="0" lang="en-US" sz="1800" dirty="0"/>
           </a:p>
         </p:txBody>
       </p:sp>
@@ -810,8 +826,8 @@
         </p:nvSpPr>
         <p:spPr bwMode="auto">
           <a:xfrm>
-            <a:off x="1309632" y="4866752"/>
-            <a:ext cx="641424" cy="641424"/>
+            <a:off x="1746176" y="4866752"/>
+            <a:ext cx="855232" cy="641424"/>
           </a:xfrm>
           <a:prstGeom prst="ellipse">
             <a:avLst/>
@@ -841,7 +857,7 @@
           <a:lstStyle/>
           <a:p>
             <a:pPr algn="ctr" eaLnBrk="1" latinLnBrk="0" hangingPunct="1"/>
-            <a:endParaRPr kumimoji="0" lang="en-US" dirty="0"/>
+            <a:endParaRPr kumimoji="0" lang="en-US" sz="1800" dirty="0"/>
           </a:p>
         </p:txBody>
       </p:sp>
@@ -853,8 +869,8 @@
         </p:nvSpPr>
         <p:spPr bwMode="auto">
           <a:xfrm>
-            <a:off x="1091080" y="5500632"/>
-            <a:ext cx="137160" cy="137160"/>
+            <a:off x="1454773" y="5500632"/>
+            <a:ext cx="182880" cy="137160"/>
           </a:xfrm>
           <a:prstGeom prst="ellipse">
             <a:avLst/>
@@ -884,7 +900,7 @@
           <a:lstStyle/>
           <a:p>
             <a:pPr algn="ctr" eaLnBrk="1" latinLnBrk="0" hangingPunct="1"/>
-            <a:endParaRPr kumimoji="0" lang="en-US" dirty="0"/>
+            <a:endParaRPr kumimoji="0" lang="en-US" sz="1800" dirty="0"/>
           </a:p>
         </p:txBody>
       </p:sp>
@@ -896,8 +912,8 @@
         </p:nvSpPr>
         <p:spPr bwMode="auto">
           <a:xfrm>
-            <a:off x="1664208" y="5788152"/>
-            <a:ext cx="274320" cy="274320"/>
+            <a:off x="2218944" y="5788152"/>
+            <a:ext cx="365760" cy="274320"/>
           </a:xfrm>
           <a:prstGeom prst="ellipse">
             <a:avLst/>
@@ -927,7 +943,7 @@
           <a:lstStyle/>
           <a:p>
             <a:pPr algn="ctr" eaLnBrk="1" latinLnBrk="0" hangingPunct="1"/>
-            <a:endParaRPr kumimoji="0" lang="en-US" dirty="0"/>
+            <a:endParaRPr kumimoji="0" lang="en-US" sz="1800" dirty="0"/>
           </a:p>
         </p:txBody>
       </p:sp>
@@ -939,8 +955,8 @@
         </p:nvSpPr>
         <p:spPr>
           <a:xfrm>
-            <a:off x="1905000" y="4495800"/>
-            <a:ext cx="365760" cy="365760"/>
+            <a:off x="2540000" y="4495800"/>
+            <a:ext cx="487680" cy="365760"/>
           </a:xfrm>
           <a:prstGeom prst="ellipse">
             <a:avLst/>
@@ -970,7 +986,7 @@
           <a:lstStyle/>
           <a:p>
             <a:pPr algn="ctr" eaLnBrk="1" latinLnBrk="0" hangingPunct="1"/>
-            <a:endParaRPr kumimoji="0" lang="en-US" dirty="0"/>
+            <a:endParaRPr kumimoji="0" lang="en-US" sz="1800" dirty="0"/>
           </a:p>
         </p:txBody>
       </p:sp>
@@ -986,8 +1002,8 @@
         </p:nvSpPr>
         <p:spPr bwMode="auto">
           <a:xfrm>
-            <a:off x="1325544" y="4928702"/>
-            <a:ext cx="609600" cy="517524"/>
+            <a:off x="1767392" y="4928702"/>
+            <a:ext cx="812800" cy="517524"/>
           </a:xfrm>
         </p:spPr>
         <p:txBody>
@@ -1121,7 +1137,7 @@
             <a:fld id="{86B5546F-C09B-4E63-ABC5-F7C86A7E8D66}" type="datetimeFigureOut">
               <a:rPr lang="en-US" smtClean="0"/>
               <a:pPr/>
-              <a:t>9/24/2017</a:t>
+              <a:t>1/4/2020</a:t>
             </a:fld>
             <a:endParaRPr lang="en-US"/>
           </a:p>
@@ -1207,8 +1223,8 @@
         </p:nvSpPr>
         <p:spPr>
           <a:xfrm>
-            <a:off x="6629400" y="274639"/>
-            <a:ext cx="1676400" cy="5851525"/>
+            <a:off x="8839200" y="274640"/>
+            <a:ext cx="2235200" cy="5851525"/>
           </a:xfrm>
         </p:spPr>
         <p:txBody>
@@ -1235,8 +1251,8 @@
         </p:nvSpPr>
         <p:spPr>
           <a:xfrm>
-            <a:off x="457200" y="274638"/>
-            <a:ext cx="6019800" cy="5851525"/>
+            <a:off x="609600" y="274639"/>
+            <a:ext cx="8026400" cy="5851525"/>
           </a:xfrm>
         </p:spPr>
         <p:txBody>
@@ -1298,7 +1314,7 @@
             <a:fld id="{86B5546F-C09B-4E63-ABC5-F7C86A7E8D66}" type="datetimeFigureOut">
               <a:rPr lang="en-US" smtClean="0"/>
               <a:pPr/>
-              <a:t>9/24/2017</a:t>
+              <a:t>1/4/2020</a:t>
             </a:fld>
             <a:endParaRPr lang="en-US"/>
           </a:p>
@@ -1407,8 +1423,8 @@
         </p:nvSpPr>
         <p:spPr>
           <a:xfrm>
-            <a:off x="457200" y="1600200"/>
-            <a:ext cx="7467600" cy="4873752"/>
+            <a:off x="609600" y="1600200"/>
+            <a:ext cx="9956800" cy="4873752"/>
           </a:xfrm>
         </p:spPr>
         <p:txBody>
@@ -1470,7 +1486,7 @@
             <a:fld id="{86B5546F-C09B-4E63-ABC5-F7C86A7E8D66}" type="datetimeFigureOut">
               <a:rPr lang="en-US" smtClean="0"/>
               <a:pPr/>
-              <a:t>9/24/2017</a:t>
+              <a:t>1/4/2020</a:t>
             </a:fld>
             <a:endParaRPr lang="en-US"/>
           </a:p>
@@ -1561,8 +1577,8 @@
         </p:nvSpPr>
         <p:spPr>
           <a:xfrm>
-            <a:off x="2286000" y="2895600"/>
-            <a:ext cx="6172200" cy="2053590"/>
+            <a:off x="3048000" y="2895600"/>
+            <a:ext cx="8229600" cy="2053590"/>
           </a:xfrm>
         </p:spPr>
         <p:txBody>
@@ -1594,8 +1610,8 @@
         </p:nvSpPr>
         <p:spPr>
           <a:xfrm>
-            <a:off x="2286000" y="5010150"/>
-            <a:ext cx="6172200" cy="1371600"/>
+            <a:off x="3048000" y="5010150"/>
+            <a:ext cx="8229600" cy="1371600"/>
           </a:xfrm>
         </p:spPr>
         <p:txBody>
@@ -1671,8 +1687,8 @@
         </p:nvSpPr>
         <p:spPr bwMode="auto">
           <a:xfrm rot="5400000">
-            <a:off x="7763256" y="1170432"/>
-            <a:ext cx="2286000" cy="381000"/>
+            <a:off x="10732008" y="1106932"/>
+            <a:ext cx="2286000" cy="508000"/>
           </a:xfrm>
         </p:spPr>
         <p:txBody>
@@ -1682,7 +1698,7 @@
             <a:fld id="{86B5546F-C09B-4E63-ABC5-F7C86A7E8D66}" type="datetimeFigureOut">
               <a:rPr lang="en-US" smtClean="0"/>
               <a:pPr/>
-              <a:t>9/24/2017</a:t>
+              <a:t>1/4/2020</a:t>
             </a:fld>
             <a:endParaRPr lang="en-US"/>
           </a:p>
@@ -1700,8 +1716,8 @@
         </p:nvSpPr>
         <p:spPr bwMode="auto">
           <a:xfrm rot="5400000">
-            <a:off x="7077456" y="4178808"/>
-            <a:ext cx="3657600" cy="384048"/>
+            <a:off x="10046208" y="4114800"/>
+            <a:ext cx="3657600" cy="512064"/>
           </a:xfrm>
         </p:spPr>
         <p:txBody>
@@ -1720,8 +1736,8 @@
         </p:nvSpPr>
         <p:spPr bwMode="auto">
           <a:xfrm>
-            <a:off x="381000" y="0"/>
-            <a:ext cx="609600" cy="6858000"/>
+            <a:off x="508000" y="0"/>
+            <a:ext cx="812800" cy="6858000"/>
           </a:xfrm>
           <a:prstGeom prst="rect">
             <a:avLst/>
@@ -1757,7 +1773,7 @@
           <a:lstStyle/>
           <a:p>
             <a:pPr algn="ctr" eaLnBrk="1" latinLnBrk="0" hangingPunct="1"/>
-            <a:endParaRPr kumimoji="0" lang="en-US"/>
+            <a:endParaRPr kumimoji="0" lang="en-US" sz="1800"/>
           </a:p>
         </p:txBody>
       </p:sp>
@@ -1769,8 +1785,8 @@
         </p:nvSpPr>
         <p:spPr bwMode="auto">
           <a:xfrm>
-            <a:off x="276336" y="0"/>
-            <a:ext cx="104664" cy="6858000"/>
+            <a:off x="368448" y="0"/>
+            <a:ext cx="139552" cy="6858000"/>
           </a:xfrm>
           <a:prstGeom prst="rect">
             <a:avLst/>
@@ -1806,7 +1822,7 @@
           <a:lstStyle/>
           <a:p>
             <a:pPr algn="ctr" eaLnBrk="1" latinLnBrk="0" hangingPunct="1"/>
-            <a:endParaRPr kumimoji="0" lang="en-US"/>
+            <a:endParaRPr kumimoji="0" lang="en-US" sz="1800"/>
           </a:p>
         </p:txBody>
       </p:sp>
@@ -1818,8 +1834,8 @@
         </p:nvSpPr>
         <p:spPr bwMode="auto">
           <a:xfrm>
-            <a:off x="990600" y="0"/>
-            <a:ext cx="181872" cy="6858000"/>
+            <a:off x="1320800" y="0"/>
+            <a:ext cx="242496" cy="6858000"/>
           </a:xfrm>
           <a:prstGeom prst="rect">
             <a:avLst/>
@@ -1855,7 +1871,7 @@
           <a:lstStyle/>
           <a:p>
             <a:pPr algn="ctr" eaLnBrk="1" latinLnBrk="0" hangingPunct="1"/>
-            <a:endParaRPr kumimoji="0" lang="en-US"/>
+            <a:endParaRPr kumimoji="0" lang="en-US" sz="1800"/>
           </a:p>
         </p:txBody>
       </p:sp>
@@ -1867,8 +1883,8 @@
         </p:nvSpPr>
         <p:spPr bwMode="auto">
           <a:xfrm>
-            <a:off x="1141320" y="0"/>
-            <a:ext cx="230280" cy="6858000"/>
+            <a:off x="1521760" y="0"/>
+            <a:ext cx="307040" cy="6858000"/>
           </a:xfrm>
           <a:prstGeom prst="rect">
             <a:avLst/>
@@ -1904,7 +1920,7 @@
           <a:lstStyle/>
           <a:p>
             <a:pPr algn="ctr" eaLnBrk="1" latinLnBrk="0" hangingPunct="1"/>
-            <a:endParaRPr kumimoji="0" lang="en-US"/>
+            <a:endParaRPr kumimoji="0" lang="en-US" sz="1800"/>
           </a:p>
         </p:txBody>
       </p:sp>
@@ -1918,7 +1934,7 @@
         </p:nvSpPr>
         <p:spPr bwMode="auto">
           <a:xfrm>
-            <a:off x="106344" y="0"/>
+            <a:off x="141792" y="0"/>
             <a:ext cx="0" cy="6858000"/>
           </a:xfrm>
           <a:prstGeom prst="line">
@@ -1943,7 +1959,7 @@
           <a:bodyPr vert="horz" wrap="square" lIns="91440" tIns="45720" rIns="91440" bIns="45720" anchor="t" compatLnSpc="1"/>
           <a:lstStyle/>
           <a:p>
-            <a:endParaRPr kumimoji="0" lang="en-US"/>
+            <a:endParaRPr kumimoji="0" lang="en-US" sz="1800"/>
           </a:p>
         </p:txBody>
       </p:sp>
@@ -1957,7 +1973,7 @@
         </p:nvSpPr>
         <p:spPr bwMode="auto">
           <a:xfrm>
-            <a:off x="914400" y="0"/>
+            <a:off x="1219200" y="0"/>
             <a:ext cx="0" cy="6858000"/>
           </a:xfrm>
           <a:prstGeom prst="line">
@@ -1982,7 +1998,7 @@
           <a:bodyPr vert="horz" wrap="square" lIns="91440" tIns="45720" rIns="91440" bIns="45720" anchor="t" compatLnSpc="1"/>
           <a:lstStyle/>
           <a:p>
-            <a:endParaRPr kumimoji="0" lang="en-US"/>
+            <a:endParaRPr kumimoji="0" lang="en-US" sz="1800"/>
           </a:p>
         </p:txBody>
       </p:sp>
@@ -1996,7 +2012,7 @@
         </p:nvSpPr>
         <p:spPr bwMode="auto">
           <a:xfrm>
-            <a:off x="854112" y="0"/>
+            <a:off x="1138816" y="0"/>
             <a:ext cx="0" cy="6858000"/>
           </a:xfrm>
           <a:prstGeom prst="line">
@@ -2020,7 +2036,7 @@
           <a:bodyPr vert="horz" wrap="square" lIns="91440" tIns="45720" rIns="91440" bIns="45720" anchor="t" compatLnSpc="1"/>
           <a:lstStyle/>
           <a:p>
-            <a:endParaRPr kumimoji="0" lang="en-US"/>
+            <a:endParaRPr kumimoji="0" lang="en-US" sz="1800"/>
           </a:p>
         </p:txBody>
       </p:sp>
@@ -2034,7 +2050,7 @@
         </p:nvSpPr>
         <p:spPr bwMode="auto">
           <a:xfrm>
-            <a:off x="1726640" y="0"/>
+            <a:off x="2302187" y="0"/>
             <a:ext cx="0" cy="6858000"/>
           </a:xfrm>
           <a:prstGeom prst="line">
@@ -2059,7 +2075,7 @@
           <a:bodyPr vert="horz" wrap="square" lIns="91440" tIns="45720" rIns="91440" bIns="45720" anchor="t" compatLnSpc="1"/>
           <a:lstStyle/>
           <a:p>
-            <a:endParaRPr kumimoji="0" lang="en-US"/>
+            <a:endParaRPr kumimoji="0" lang="en-US" sz="1800"/>
           </a:p>
         </p:txBody>
       </p:sp>
@@ -2073,7 +2089,7 @@
         </p:nvSpPr>
         <p:spPr bwMode="auto">
           <a:xfrm>
-            <a:off x="1066800" y="0"/>
+            <a:off x="1422400" y="0"/>
             <a:ext cx="0" cy="6858000"/>
           </a:xfrm>
           <a:prstGeom prst="line">
@@ -2097,7 +2113,7 @@
           <a:bodyPr vert="horz" wrap="square" lIns="91440" tIns="45720" rIns="91440" bIns="45720" anchor="t" compatLnSpc="1"/>
           <a:lstStyle/>
           <a:p>
-            <a:endParaRPr kumimoji="0" lang="en-US"/>
+            <a:endParaRPr kumimoji="0" lang="en-US" sz="1800"/>
           </a:p>
         </p:txBody>
       </p:sp>
@@ -2109,8 +2125,8 @@
         </p:nvSpPr>
         <p:spPr bwMode="auto">
           <a:xfrm>
-            <a:off x="1219200" y="0"/>
-            <a:ext cx="76200" cy="6858000"/>
+            <a:off x="1625600" y="0"/>
+            <a:ext cx="101600" cy="6858000"/>
           </a:xfrm>
           <a:prstGeom prst="rect">
             <a:avLst/>
@@ -2146,7 +2162,7 @@
           <a:lstStyle/>
           <a:p>
             <a:pPr algn="ctr" eaLnBrk="1" latinLnBrk="0" hangingPunct="1"/>
-            <a:endParaRPr kumimoji="0" lang="en-US" dirty="0"/>
+            <a:endParaRPr kumimoji="0" lang="en-US" sz="1800" dirty="0"/>
           </a:p>
         </p:txBody>
       </p:sp>
@@ -2158,8 +2174,8 @@
         </p:nvSpPr>
         <p:spPr bwMode="auto">
           <a:xfrm>
-            <a:off x="609600" y="3429000"/>
-            <a:ext cx="1295400" cy="1295400"/>
+            <a:off x="812800" y="3429000"/>
+            <a:ext cx="1727200" cy="1295400"/>
           </a:xfrm>
           <a:prstGeom prst="ellipse">
             <a:avLst/>
@@ -2189,7 +2205,7 @@
           <a:lstStyle/>
           <a:p>
             <a:pPr algn="ctr" eaLnBrk="1" latinLnBrk="0" hangingPunct="1"/>
-            <a:endParaRPr kumimoji="0" lang="en-US" dirty="0"/>
+            <a:endParaRPr kumimoji="0" lang="en-US" sz="1800" dirty="0"/>
           </a:p>
         </p:txBody>
       </p:sp>
@@ -2201,8 +2217,8 @@
         </p:nvSpPr>
         <p:spPr bwMode="auto">
           <a:xfrm>
-            <a:off x="1324704" y="4866752"/>
-            <a:ext cx="641424" cy="641424"/>
+            <a:off x="1766272" y="4866752"/>
+            <a:ext cx="855232" cy="641424"/>
           </a:xfrm>
           <a:prstGeom prst="ellipse">
             <a:avLst/>
@@ -2232,7 +2248,7 @@
           <a:lstStyle/>
           <a:p>
             <a:pPr algn="ctr" eaLnBrk="1" latinLnBrk="0" hangingPunct="1"/>
-            <a:endParaRPr kumimoji="0" lang="en-US" dirty="0"/>
+            <a:endParaRPr kumimoji="0" lang="en-US" sz="1800" dirty="0"/>
           </a:p>
         </p:txBody>
       </p:sp>
@@ -2244,8 +2260,8 @@
         </p:nvSpPr>
         <p:spPr bwMode="auto">
           <a:xfrm>
-            <a:off x="1091080" y="5500632"/>
-            <a:ext cx="137160" cy="137160"/>
+            <a:off x="1454773" y="5500632"/>
+            <a:ext cx="182880" cy="137160"/>
           </a:xfrm>
           <a:prstGeom prst="ellipse">
             <a:avLst/>
@@ -2275,7 +2291,7 @@
           <a:lstStyle/>
           <a:p>
             <a:pPr algn="ctr" eaLnBrk="1" latinLnBrk="0" hangingPunct="1"/>
-            <a:endParaRPr kumimoji="0" lang="en-US" dirty="0"/>
+            <a:endParaRPr kumimoji="0" lang="en-US" sz="1800" dirty="0"/>
           </a:p>
         </p:txBody>
       </p:sp>
@@ -2287,8 +2303,8 @@
         </p:nvSpPr>
         <p:spPr bwMode="auto">
           <a:xfrm>
-            <a:off x="1664208" y="5791200"/>
-            <a:ext cx="274320" cy="274320"/>
+            <a:off x="2218944" y="5791200"/>
+            <a:ext cx="365760" cy="274320"/>
           </a:xfrm>
           <a:prstGeom prst="ellipse">
             <a:avLst/>
@@ -2318,7 +2334,7 @@
           <a:lstStyle/>
           <a:p>
             <a:pPr algn="ctr" eaLnBrk="1" latinLnBrk="0" hangingPunct="1"/>
-            <a:endParaRPr kumimoji="0" lang="en-US" dirty="0"/>
+            <a:endParaRPr kumimoji="0" lang="en-US" sz="1800" dirty="0"/>
           </a:p>
         </p:txBody>
       </p:sp>
@@ -2330,8 +2346,8 @@
         </p:nvSpPr>
         <p:spPr bwMode="auto">
           <a:xfrm>
-            <a:off x="1879040" y="4479888"/>
-            <a:ext cx="365760" cy="365760"/>
+            <a:off x="2505387" y="4479888"/>
+            <a:ext cx="487680" cy="365760"/>
           </a:xfrm>
           <a:prstGeom prst="ellipse">
             <a:avLst/>
@@ -2361,7 +2377,7 @@
           <a:lstStyle/>
           <a:p>
             <a:pPr algn="ctr" eaLnBrk="1" latinLnBrk="0" hangingPunct="1"/>
-            <a:endParaRPr kumimoji="0" lang="en-US" dirty="0"/>
+            <a:endParaRPr kumimoji="0" lang="en-US" sz="1800" dirty="0"/>
           </a:p>
         </p:txBody>
       </p:sp>
@@ -2375,7 +2391,7 @@
         </p:nvSpPr>
         <p:spPr bwMode="auto">
           <a:xfrm>
-            <a:off x="9097944" y="0"/>
+            <a:off x="12130592" y="0"/>
             <a:ext cx="0" cy="6858000"/>
           </a:xfrm>
           <a:prstGeom prst="line">
@@ -2399,7 +2415,7 @@
           <a:bodyPr vert="horz" wrap="square" lIns="91440" tIns="45720" rIns="91440" bIns="45720" anchor="t" compatLnSpc="1"/>
           <a:lstStyle/>
           <a:p>
-            <a:endParaRPr kumimoji="0" lang="en-US"/>
+            <a:endParaRPr kumimoji="0" lang="en-US" sz="1800"/>
           </a:p>
         </p:txBody>
       </p:sp>
@@ -2415,8 +2431,8 @@
         </p:nvSpPr>
         <p:spPr bwMode="auto">
           <a:xfrm>
-            <a:off x="1340616" y="4928702"/>
-            <a:ext cx="609600" cy="517524"/>
+            <a:off x="1787488" y="4928702"/>
+            <a:ext cx="812800" cy="517524"/>
           </a:xfrm>
         </p:spPr>
         <p:txBody>
@@ -2498,7 +2514,7 @@
             <a:fld id="{86B5546F-C09B-4E63-ABC5-F7C86A7E8D66}" type="datetimeFigureOut">
               <a:rPr lang="en-US" smtClean="0"/>
               <a:pPr/>
-              <a:t>9/24/2017</a:t>
+              <a:t>1/4/2020</a:t>
             </a:fld>
             <a:endParaRPr lang="en-US"/>
           </a:p>
@@ -2559,8 +2575,8 @@
         </p:nvSpPr>
         <p:spPr>
           <a:xfrm>
-            <a:off x="457200" y="1600200"/>
-            <a:ext cx="3657600" cy="4572000"/>
+            <a:off x="609600" y="1600200"/>
+            <a:ext cx="4876800" cy="4572000"/>
           </a:xfrm>
         </p:spPr>
         <p:txBody>
@@ -2616,8 +2632,8 @@
         </p:nvSpPr>
         <p:spPr>
           <a:xfrm>
-            <a:off x="4270248" y="1600200"/>
-            <a:ext cx="3657600" cy="4572000"/>
+            <a:off x="5693664" y="1600200"/>
+            <a:ext cx="4876800" cy="4572000"/>
           </a:xfrm>
         </p:spPr>
         <p:txBody>
@@ -2698,8 +2714,8 @@
         </p:nvSpPr>
         <p:spPr>
           <a:xfrm>
-            <a:off x="457200" y="273050"/>
-            <a:ext cx="7543800" cy="1143000"/>
+            <a:off x="609600" y="273050"/>
+            <a:ext cx="10058400" cy="1143000"/>
           </a:xfrm>
         </p:spPr>
         <p:txBody>
@@ -2736,7 +2752,7 @@
             <a:fld id="{86B5546F-C09B-4E63-ABC5-F7C86A7E8D66}" type="datetimeFigureOut">
               <a:rPr lang="en-US" smtClean="0"/>
               <a:pPr/>
-              <a:t>9/24/2017</a:t>
+              <a:t>1/4/2020</a:t>
             </a:fld>
             <a:endParaRPr lang="en-US"/>
           </a:p>
@@ -2797,8 +2813,8 @@
         </p:nvSpPr>
         <p:spPr>
           <a:xfrm>
-            <a:off x="457200" y="2362200"/>
-            <a:ext cx="3657600" cy="3886200"/>
+            <a:off x="609600" y="2362200"/>
+            <a:ext cx="4876800" cy="3886200"/>
           </a:xfrm>
         </p:spPr>
         <p:txBody>
@@ -2854,8 +2870,8 @@
         </p:nvSpPr>
         <p:spPr>
           <a:xfrm>
-            <a:off x="4371975" y="2362200"/>
-            <a:ext cx="3657600" cy="3886200"/>
+            <a:off x="5829300" y="2362200"/>
+            <a:ext cx="4876800" cy="3886200"/>
           </a:xfrm>
         </p:spPr>
         <p:txBody>
@@ -2911,8 +2927,8 @@
         </p:nvSpPr>
         <p:spPr>
           <a:xfrm>
-            <a:off x="457200" y="1569720"/>
-            <a:ext cx="3657600" cy="658368"/>
+            <a:off x="609600" y="1569720"/>
+            <a:ext cx="4876800" cy="658368"/>
           </a:xfrm>
           <a:prstGeom prst="roundRect">
             <a:avLst>
@@ -2959,8 +2975,8 @@
         </p:nvSpPr>
         <p:spPr>
           <a:xfrm>
-            <a:off x="4343400" y="1569720"/>
-            <a:ext cx="3657600" cy="658368"/>
+            <a:off x="5791200" y="1569720"/>
+            <a:ext cx="4876800" cy="658368"/>
           </a:xfrm>
           <a:prstGeom prst="roundRect">
             <a:avLst>
@@ -3061,7 +3077,7 @@
             <a:fld id="{86B5546F-C09B-4E63-ABC5-F7C86A7E8D66}" type="datetimeFigureOut">
               <a:rPr lang="en-US" smtClean="0"/>
               <a:pPr/>
-              <a:t>9/24/2017</a:t>
+              <a:t>1/4/2020</a:t>
             </a:fld>
             <a:endParaRPr lang="en-US"/>
           </a:p>
@@ -3153,7 +3169,7 @@
             <a:fld id="{86B5546F-C09B-4E63-ABC5-F7C86A7E8D66}" type="datetimeFigureOut">
               <a:rPr lang="en-US" smtClean="0"/>
               <a:pPr/>
-              <a:t>9/24/2017</a:t>
+              <a:t>1/4/2020</a:t>
             </a:fld>
             <a:endParaRPr lang="en-US"/>
           </a:p>
@@ -3242,7 +3258,7 @@
         </p:nvSpPr>
         <p:spPr bwMode="auto">
           <a:xfrm>
-            <a:off x="8763000" y="0"/>
+            <a:off x="11684000" y="0"/>
             <a:ext cx="0" cy="6858000"/>
           </a:xfrm>
           <a:prstGeom prst="line">
@@ -3267,7 +3283,7 @@
           <a:bodyPr vert="horz" wrap="square" lIns="91440" tIns="45720" rIns="91440" bIns="45720" anchor="t" compatLnSpc="1"/>
           <a:lstStyle/>
           <a:p>
-            <a:endParaRPr kumimoji="0" lang="en-US" dirty="0"/>
+            <a:endParaRPr kumimoji="0" lang="en-US" sz="1800" dirty="0"/>
           </a:p>
         </p:txBody>
       </p:sp>
@@ -3283,8 +3299,8 @@
         </p:nvSpPr>
         <p:spPr>
           <a:xfrm rot="5400000">
-            <a:off x="3371850" y="3200400"/>
-            <a:ext cx="6309360" cy="457200"/>
+            <a:off x="5547360" y="3124200"/>
+            <a:ext cx="6309360" cy="609600"/>
           </a:xfrm>
         </p:spPr>
         <p:txBody>
@@ -3316,8 +3332,8 @@
         </p:nvSpPr>
         <p:spPr>
           <a:xfrm>
-            <a:off x="6812280" y="274320"/>
-            <a:ext cx="1527048" cy="4983480"/>
+            <a:off x="9083040" y="274320"/>
+            <a:ext cx="2036064" cy="4983480"/>
           </a:xfrm>
         </p:spPr>
         <p:txBody>
@@ -3369,7 +3385,7 @@
         </p:nvSpPr>
         <p:spPr bwMode="auto">
           <a:xfrm>
-            <a:off x="6248400" y="0"/>
+            <a:off x="8331200" y="0"/>
             <a:ext cx="0" cy="6858000"/>
           </a:xfrm>
           <a:prstGeom prst="line">
@@ -3393,7 +3409,7 @@
           <a:bodyPr vert="horz" wrap="square" lIns="91440" tIns="45720" rIns="91440" bIns="45720" anchor="t" compatLnSpc="1"/>
           <a:lstStyle/>
           <a:p>
-            <a:endParaRPr kumimoji="0" lang="en-US" dirty="0"/>
+            <a:endParaRPr kumimoji="0" lang="en-US" sz="1800" dirty="0"/>
           </a:p>
         </p:txBody>
       </p:sp>
@@ -3407,7 +3423,7 @@
         </p:nvSpPr>
         <p:spPr bwMode="auto">
           <a:xfrm>
-            <a:off x="6192296" y="0"/>
+            <a:off x="8256395" y="0"/>
             <a:ext cx="0" cy="6858000"/>
           </a:xfrm>
           <a:prstGeom prst="line">
@@ -3429,7 +3445,7 @@
           <a:bodyPr vert="horz" wrap="square" lIns="91440" tIns="45720" rIns="91440" bIns="45720" anchor="t" compatLnSpc="1"/>
           <a:lstStyle/>
           <a:p>
-            <a:endParaRPr kumimoji="0" lang="en-US" dirty="0"/>
+            <a:endParaRPr kumimoji="0" lang="en-US" sz="1800" dirty="0"/>
           </a:p>
         </p:txBody>
       </p:sp>
@@ -3443,7 +3459,7 @@
         </p:nvSpPr>
         <p:spPr bwMode="auto">
           <a:xfrm>
-            <a:off x="8991600" y="0"/>
+            <a:off x="11988800" y="0"/>
             <a:ext cx="0" cy="6858000"/>
           </a:xfrm>
           <a:prstGeom prst="line">
@@ -3465,7 +3481,7 @@
           <a:bodyPr vert="horz" wrap="square" lIns="91440" tIns="45720" rIns="91440" bIns="45720" anchor="t" compatLnSpc="1"/>
           <a:lstStyle/>
           <a:p>
-            <a:endParaRPr kumimoji="0" lang="en-US"/>
+            <a:endParaRPr kumimoji="0" lang="en-US" sz="1800"/>
           </a:p>
         </p:txBody>
       </p:sp>
@@ -3477,8 +3493,8 @@
         </p:nvSpPr>
         <p:spPr bwMode="auto">
           <a:xfrm>
-            <a:off x="8839200" y="0"/>
-            <a:ext cx="304800" cy="6858000"/>
+            <a:off x="11785600" y="0"/>
+            <a:ext cx="406400" cy="6858000"/>
           </a:xfrm>
           <a:prstGeom prst="rect">
             <a:avLst/>
@@ -3514,7 +3530,7 @@
           <a:lstStyle/>
           <a:p>
             <a:pPr algn="ctr" eaLnBrk="1" latinLnBrk="0" hangingPunct="1"/>
-            <a:endParaRPr kumimoji="0" lang="en-US"/>
+            <a:endParaRPr kumimoji="0" lang="en-US" sz="1800"/>
           </a:p>
         </p:txBody>
       </p:sp>
@@ -3528,7 +3544,7 @@
         </p:nvSpPr>
         <p:spPr bwMode="auto">
           <a:xfrm>
-            <a:off x="8915400" y="0"/>
+            <a:off x="11887200" y="0"/>
             <a:ext cx="0" cy="6858000"/>
           </a:xfrm>
           <a:prstGeom prst="line">
@@ -3550,7 +3566,7 @@
           <a:bodyPr vert="horz" wrap="square" lIns="91440" tIns="45720" rIns="91440" bIns="45720" anchor="t" compatLnSpc="1"/>
           <a:lstStyle/>
           <a:p>
-            <a:endParaRPr kumimoji="0" lang="en-US"/>
+            <a:endParaRPr kumimoji="0" lang="en-US" sz="1800"/>
           </a:p>
         </p:txBody>
       </p:sp>
@@ -3562,8 +3578,8 @@
         </p:nvSpPr>
         <p:spPr>
           <a:xfrm>
-            <a:off x="8156448" y="5715000"/>
-            <a:ext cx="548640" cy="548640"/>
+            <a:off x="10875264" y="5715000"/>
+            <a:ext cx="731520" cy="548640"/>
           </a:xfrm>
           <a:prstGeom prst="ellipse">
             <a:avLst/>
@@ -3593,7 +3609,7 @@
           <a:lstStyle/>
           <a:p>
             <a:pPr algn="ctr" eaLnBrk="1" latinLnBrk="0" hangingPunct="1"/>
-            <a:endParaRPr kumimoji="0" lang="en-US" dirty="0"/>
+            <a:endParaRPr kumimoji="0" lang="en-US" sz="1800" dirty="0"/>
           </a:p>
         </p:txBody>
       </p:sp>
@@ -3609,8 +3625,8 @@
         </p:nvSpPr>
         <p:spPr>
           <a:xfrm>
-            <a:off x="304800" y="274320"/>
-            <a:ext cx="5638800" cy="6327648"/>
+            <a:off x="406400" y="274320"/>
+            <a:ext cx="7518400" cy="6327648"/>
           </a:xfrm>
         </p:spPr>
         <p:txBody>
@@ -3672,7 +3688,7 @@
             <a:fld id="{86B5546F-C09B-4E63-ABC5-F7C86A7E8D66}" type="datetimeFigureOut">
               <a:rPr lang="en-US" smtClean="0"/>
               <a:pPr/>
-              <a:t>9/24/2017</a:t>
+              <a:t>1/4/2020</a:t>
             </a:fld>
             <a:endParaRPr lang="en-US"/>
           </a:p>
@@ -3756,7 +3772,7 @@
         </p:nvSpPr>
         <p:spPr bwMode="auto">
           <a:xfrm>
-            <a:off x="8763000" y="0"/>
+            <a:off x="11684000" y="0"/>
             <a:ext cx="0" cy="6858000"/>
           </a:xfrm>
           <a:prstGeom prst="line">
@@ -3780,7 +3796,7 @@
           <a:bodyPr vert="horz" wrap="square" lIns="91440" tIns="45720" rIns="91440" bIns="45720" anchor="t" compatLnSpc="1"/>
           <a:lstStyle/>
           <a:p>
-            <a:endParaRPr kumimoji="0" lang="en-US"/>
+            <a:endParaRPr kumimoji="0" lang="en-US" sz="1800"/>
           </a:p>
         </p:txBody>
       </p:sp>
@@ -3792,8 +3808,8 @@
         </p:nvSpPr>
         <p:spPr>
           <a:xfrm>
-            <a:off x="8156448" y="5715000"/>
-            <a:ext cx="548640" cy="548640"/>
+            <a:off x="10875264" y="5715000"/>
+            <a:ext cx="731520" cy="548640"/>
           </a:xfrm>
           <a:prstGeom prst="ellipse">
             <a:avLst/>
@@ -3823,7 +3839,7 @@
           <a:lstStyle/>
           <a:p>
             <a:pPr algn="ctr" eaLnBrk="1" latinLnBrk="0" hangingPunct="1"/>
-            <a:endParaRPr kumimoji="0" lang="en-US" dirty="0"/>
+            <a:endParaRPr kumimoji="0" lang="en-US" sz="1800" dirty="0"/>
           </a:p>
         </p:txBody>
       </p:sp>
@@ -3839,8 +3855,8 @@
         </p:nvSpPr>
         <p:spPr>
           <a:xfrm rot="5400000">
-            <a:off x="3350133" y="3200400"/>
-            <a:ext cx="6309360" cy="457200"/>
+            <a:off x="5518404" y="3124200"/>
+            <a:ext cx="6309360" cy="609600"/>
           </a:xfrm>
         </p:spPr>
         <p:txBody>
@@ -3873,7 +3889,7 @@
         <p:spPr>
           <a:xfrm>
             <a:off x="0" y="0"/>
-            <a:ext cx="6172200" cy="6858000"/>
+            <a:ext cx="8229600" cy="6858000"/>
           </a:xfrm>
           <a:solidFill>
             <a:schemeClr val="bg2"/>
@@ -3931,8 +3947,8 @@
         </p:nvSpPr>
         <p:spPr>
           <a:xfrm>
-            <a:off x="6765798" y="264795"/>
-            <a:ext cx="1524000" cy="4956048"/>
+            <a:off x="9021064" y="264795"/>
+            <a:ext cx="2032000" cy="4956048"/>
           </a:xfrm>
         </p:spPr>
         <p:txBody>
@@ -3983,7 +3999,7 @@
         </p:nvSpPr>
         <p:spPr bwMode="auto">
           <a:xfrm>
-            <a:off x="8991600" y="0"/>
+            <a:off x="11988800" y="0"/>
             <a:ext cx="0" cy="6858000"/>
           </a:xfrm>
           <a:prstGeom prst="line">
@@ -4005,7 +4021,7 @@
           <a:bodyPr vert="horz" wrap="square" lIns="91440" tIns="45720" rIns="91440" bIns="45720" anchor="t" compatLnSpc="1"/>
           <a:lstStyle/>
           <a:p>
-            <a:endParaRPr kumimoji="0" lang="en-US"/>
+            <a:endParaRPr kumimoji="0" lang="en-US" sz="1800"/>
           </a:p>
         </p:txBody>
       </p:sp>
@@ -4017,8 +4033,8 @@
         </p:nvSpPr>
         <p:spPr bwMode="auto">
           <a:xfrm>
-            <a:off x="8839200" y="0"/>
-            <a:ext cx="304800" cy="6858000"/>
+            <a:off x="11785600" y="0"/>
+            <a:ext cx="406400" cy="6858000"/>
           </a:xfrm>
           <a:prstGeom prst="rect">
             <a:avLst/>
@@ -4053,7 +4069,7 @@
           <a:lstStyle/>
           <a:p>
             <a:pPr algn="ctr" eaLnBrk="1" latinLnBrk="0" hangingPunct="1"/>
-            <a:endParaRPr kumimoji="0" lang="en-US"/>
+            <a:endParaRPr kumimoji="0" lang="en-US" sz="1800"/>
           </a:p>
         </p:txBody>
       </p:sp>
@@ -4067,7 +4083,7 @@
         </p:nvSpPr>
         <p:spPr bwMode="auto">
           <a:xfrm>
-            <a:off x="8915400" y="0"/>
+            <a:off x="11887200" y="0"/>
             <a:ext cx="0" cy="6858000"/>
           </a:xfrm>
           <a:prstGeom prst="line">
@@ -4089,7 +4105,7 @@
           <a:bodyPr vert="horz" wrap="square" lIns="91440" tIns="45720" rIns="91440" bIns="45720" anchor="t" compatLnSpc="1"/>
           <a:lstStyle/>
           <a:p>
-            <a:endParaRPr kumimoji="0" lang="en-US"/>
+            <a:endParaRPr kumimoji="0" lang="en-US" sz="1800"/>
           </a:p>
         </p:txBody>
       </p:sp>
@@ -4103,7 +4119,7 @@
         </p:nvSpPr>
         <p:spPr bwMode="auto">
           <a:xfrm>
-            <a:off x="6248400" y="0"/>
+            <a:off x="8331200" y="0"/>
             <a:ext cx="0" cy="6858000"/>
           </a:xfrm>
           <a:prstGeom prst="line">
@@ -4127,7 +4143,7 @@
           <a:bodyPr vert="horz" wrap="square" lIns="91440" tIns="45720" rIns="91440" bIns="45720" anchor="t" compatLnSpc="1"/>
           <a:lstStyle/>
           <a:p>
-            <a:endParaRPr kumimoji="0" lang="en-US" dirty="0"/>
+            <a:endParaRPr kumimoji="0" lang="en-US" sz="1800" dirty="0"/>
           </a:p>
         </p:txBody>
       </p:sp>
@@ -4141,7 +4157,7 @@
         </p:nvSpPr>
         <p:spPr bwMode="auto">
           <a:xfrm>
-            <a:off x="6192296" y="0"/>
+            <a:off x="8256395" y="0"/>
             <a:ext cx="0" cy="6858000"/>
           </a:xfrm>
           <a:prstGeom prst="line">
@@ -4163,7 +4179,7 @@
           <a:bodyPr vert="horz" wrap="square" lIns="91440" tIns="45720" rIns="91440" bIns="45720" anchor="t" compatLnSpc="1"/>
           <a:lstStyle/>
           <a:p>
-            <a:endParaRPr kumimoji="0" lang="en-US" dirty="0"/>
+            <a:endParaRPr kumimoji="0" lang="en-US" sz="1800" dirty="0"/>
           </a:p>
         </p:txBody>
       </p:sp>
@@ -4185,7 +4201,7 @@
             <a:fld id="{86B5546F-C09B-4E63-ABC5-F7C86A7E8D66}" type="datetimeFigureOut">
               <a:rPr lang="en-US" smtClean="0"/>
               <a:pPr/>
-              <a:t>9/24/2017</a:t>
+              <a:t>1/4/2020</a:t>
             </a:fld>
             <a:endParaRPr lang="en-US"/>
           </a:p>
@@ -4274,7 +4290,7 @@
         </p:nvSpPr>
         <p:spPr bwMode="auto">
           <a:xfrm>
-            <a:off x="8763000" y="0"/>
+            <a:off x="11684000" y="0"/>
             <a:ext cx="0" cy="6858000"/>
           </a:xfrm>
           <a:prstGeom prst="line">
@@ -4299,7 +4315,7 @@
           <a:bodyPr vert="horz" wrap="square" lIns="91440" tIns="45720" rIns="91440" bIns="45720" anchor="t" compatLnSpc="1"/>
           <a:lstStyle/>
           <a:p>
-            <a:endParaRPr kumimoji="0" lang="en-US" dirty="0"/>
+            <a:endParaRPr kumimoji="0" lang="en-US" sz="1800" dirty="0"/>
           </a:p>
         </p:txBody>
       </p:sp>
@@ -4315,8 +4331,8 @@
         </p:nvSpPr>
         <p:spPr>
           <a:xfrm>
-            <a:off x="457200" y="274638"/>
-            <a:ext cx="7467600" cy="1143000"/>
+            <a:off x="609600" y="274638"/>
+            <a:ext cx="9956800" cy="1143000"/>
           </a:xfrm>
           <a:prstGeom prst="rect">
             <a:avLst/>
@@ -4348,8 +4364,8 @@
         </p:nvSpPr>
         <p:spPr>
           <a:xfrm>
-            <a:off x="457200" y="1600200"/>
-            <a:ext cx="7467600" cy="4873752"/>
+            <a:off x="609600" y="1600200"/>
+            <a:ext cx="9956800" cy="4873752"/>
           </a:xfrm>
           <a:prstGeom prst="rect">
             <a:avLst/>
@@ -4410,8 +4426,8 @@
         </p:nvSpPr>
         <p:spPr>
           <a:xfrm rot="5400000">
-            <a:off x="7589520" y="1081851"/>
-            <a:ext cx="2011680" cy="384048"/>
+            <a:off x="10454640" y="1017843"/>
+            <a:ext cx="2011680" cy="512064"/>
           </a:xfrm>
           <a:prstGeom prst="rect">
             <a:avLst/>
@@ -4432,7 +4448,7 @@
             <a:fld id="{86B5546F-C09B-4E63-ABC5-F7C86A7E8D66}" type="datetimeFigureOut">
               <a:rPr lang="en-US" smtClean="0"/>
               <a:pPr/>
-              <a:t>9/24/2017</a:t>
+              <a:t>1/4/2020</a:t>
             </a:fld>
             <a:endParaRPr lang="en-US"/>
           </a:p>
@@ -4450,8 +4466,8 @@
         </p:nvSpPr>
         <p:spPr>
           <a:xfrm rot="5400000">
-            <a:off x="6990186" y="3737240"/>
-            <a:ext cx="3200400" cy="365760"/>
+            <a:off x="9853648" y="3676280"/>
+            <a:ext cx="3200400" cy="487680"/>
           </a:xfrm>
           <a:prstGeom prst="rect">
             <a:avLst/>
@@ -4483,7 +4499,7 @@
         </p:nvSpPr>
         <p:spPr bwMode="auto">
           <a:xfrm>
-            <a:off x="76200" y="0"/>
+            <a:off x="101600" y="0"/>
             <a:ext cx="0" cy="6858000"/>
           </a:xfrm>
           <a:prstGeom prst="line">
@@ -4507,7 +4523,7 @@
           <a:bodyPr vert="horz" wrap="square" lIns="91440" tIns="45720" rIns="91440" bIns="45720" anchor="t" compatLnSpc="1"/>
           <a:lstStyle/>
           <a:p>
-            <a:endParaRPr kumimoji="0" lang="en-US"/>
+            <a:endParaRPr kumimoji="0" lang="en-US" sz="1800"/>
           </a:p>
         </p:txBody>
       </p:sp>
@@ -4521,7 +4537,7 @@
         </p:nvSpPr>
         <p:spPr bwMode="auto">
           <a:xfrm>
-            <a:off x="8991600" y="0"/>
+            <a:off x="11988800" y="0"/>
             <a:ext cx="0" cy="6858000"/>
           </a:xfrm>
           <a:prstGeom prst="line">
@@ -4543,7 +4559,7 @@
           <a:bodyPr vert="horz" wrap="square" lIns="91440" tIns="45720" rIns="91440" bIns="45720" anchor="t" compatLnSpc="1"/>
           <a:lstStyle/>
           <a:p>
-            <a:endParaRPr kumimoji="0" lang="en-US"/>
+            <a:endParaRPr kumimoji="0" lang="en-US" sz="1800"/>
           </a:p>
         </p:txBody>
       </p:sp>
@@ -4555,8 +4571,8 @@
         </p:nvSpPr>
         <p:spPr bwMode="auto">
           <a:xfrm>
-            <a:off x="8839200" y="0"/>
-            <a:ext cx="304800" cy="6858000"/>
+            <a:off x="11785600" y="0"/>
+            <a:ext cx="406400" cy="6858000"/>
           </a:xfrm>
           <a:prstGeom prst="rect">
             <a:avLst/>
@@ -4592,7 +4608,7 @@
           <a:lstStyle/>
           <a:p>
             <a:pPr algn="ctr" eaLnBrk="1" latinLnBrk="0" hangingPunct="1"/>
-            <a:endParaRPr kumimoji="0" lang="en-US"/>
+            <a:endParaRPr kumimoji="0" lang="en-US" sz="1800"/>
           </a:p>
         </p:txBody>
       </p:sp>
@@ -4606,7 +4622,7 @@
         </p:nvSpPr>
         <p:spPr bwMode="auto">
           <a:xfrm>
-            <a:off x="8915400" y="0"/>
+            <a:off x="11887200" y="0"/>
             <a:ext cx="0" cy="6858000"/>
           </a:xfrm>
           <a:prstGeom prst="line">
@@ -4628,7 +4644,7 @@
           <a:bodyPr vert="horz" wrap="square" lIns="91440" tIns="45720" rIns="91440" bIns="45720" anchor="t" compatLnSpc="1"/>
           <a:lstStyle/>
           <a:p>
-            <a:endParaRPr kumimoji="0" lang="en-US"/>
+            <a:endParaRPr kumimoji="0" lang="en-US" sz="1800"/>
           </a:p>
         </p:txBody>
       </p:sp>
@@ -4640,8 +4656,8 @@
         </p:nvSpPr>
         <p:spPr>
           <a:xfrm>
-            <a:off x="8156448" y="5715000"/>
-            <a:ext cx="548640" cy="548640"/>
+            <a:off x="10875264" y="5715000"/>
+            <a:ext cx="731520" cy="548640"/>
           </a:xfrm>
           <a:prstGeom prst="ellipse">
             <a:avLst/>
@@ -4671,7 +4687,7 @@
           <a:lstStyle/>
           <a:p>
             <a:pPr algn="ctr" eaLnBrk="1" latinLnBrk="0" hangingPunct="1"/>
-            <a:endParaRPr kumimoji="0" lang="en-US" dirty="0"/>
+            <a:endParaRPr kumimoji="0" lang="en-US" sz="1800" dirty="0"/>
           </a:p>
         </p:txBody>
       </p:sp>
@@ -4687,8 +4703,8 @@
         </p:nvSpPr>
         <p:spPr>
           <a:xfrm>
-            <a:off x="8129016" y="5734050"/>
-            <a:ext cx="609600" cy="521208"/>
+            <a:off x="10838688" y="5734050"/>
+            <a:ext cx="812800" cy="521208"/>
           </a:xfrm>
           <a:prstGeom prst="rect">
             <a:avLst/>
@@ -5056,7 +5072,7 @@
           <a:lstStyle/>
           <a:p>
             <a:r>
-              <a:rPr lang="zh-TW" altLang="en-US" sz="8000" dirty="0" smtClean="0">
+              <a:rPr lang="zh-TW" altLang="en-US" sz="8000" dirty="0">
                 <a:latin typeface="微軟正黑體" pitchFamily="34" charset="-120"/>
                 <a:ea typeface="微軟正黑體" pitchFamily="34" charset="-120"/>
               </a:rPr>
@@ -5235,8 +5251,8 @@
         </p:nvSpPr>
         <p:spPr>
           <a:xfrm>
-            <a:off x="0" y="0"/>
-            <a:ext cx="9144000" cy="7010400"/>
+            <a:off x="152400" y="0"/>
+            <a:ext cx="11582400" cy="7010400"/>
           </a:xfrm>
         </p:spPr>
         <p:txBody>
@@ -5246,20 +5262,13 @@
           <a:lstStyle/>
           <a:p>
             <a:r>
-              <a:rPr lang="zh-TW" altLang="en-US" sz="6000" dirty="0" smtClean="0">
+              <a:rPr lang="zh-TW" altLang="en-US" sz="6000" dirty="0">
                 <a:latin typeface="微軟正黑體" pitchFamily="34" charset="-120"/>
                 <a:ea typeface="微軟正黑體" pitchFamily="34" charset="-120"/>
               </a:rPr>
-              <a:t>所以，我親愛的弟兄們，你們務要堅固，不可搖動，常常竭力多做主工；因為知道，你們的勞苦在主裡面不是徒然的</a:t>
-            </a:r>
-            <a:r>
-              <a:rPr lang="zh-TW" altLang="en-US" sz="6000" dirty="0" smtClean="0">
-                <a:latin typeface="微軟正黑體" pitchFamily="34" charset="-120"/>
-                <a:ea typeface="微軟正黑體" pitchFamily="34" charset="-120"/>
-              </a:rPr>
-              <a:t>。</a:t>
-            </a:r>
-            <a:endParaRPr lang="en-US" altLang="zh-TW" sz="6000" dirty="0" smtClean="0">
+              <a:t>所以，我親愛的弟兄們，你們務要堅固，不可搖動，常常竭力多做主工；因為知道，你們的勞苦在主裡面不是徒然的。</a:t>
+            </a:r>
+            <a:endParaRPr lang="en-US" altLang="zh-TW" sz="6000" dirty="0">
               <a:latin typeface="微軟正黑體" pitchFamily="34" charset="-120"/>
               <a:ea typeface="微軟正黑體" pitchFamily="34" charset="-120"/>
             </a:endParaRPr>
@@ -5310,8 +5319,8 @@
         </p:nvSpPr>
         <p:spPr>
           <a:xfrm>
-            <a:off x="0" y="0"/>
-            <a:ext cx="9144000" cy="7010400"/>
+            <a:off x="152400" y="0"/>
+            <a:ext cx="11582400" cy="7010400"/>
           </a:xfrm>
         </p:spPr>
         <p:txBody>
@@ -5321,45 +5330,32 @@
           <a:lstStyle/>
           <a:p>
             <a:r>
-              <a:rPr lang="zh-TW" altLang="en-US" sz="6000" b="1" dirty="0" smtClean="0">
+              <a:rPr lang="zh-TW" altLang="en-US" sz="6000" b="1" dirty="0">
                 <a:latin typeface="微軟正黑體" pitchFamily="34" charset="-120"/>
                 <a:ea typeface="微軟正黑體" pitchFamily="34" charset="-120"/>
               </a:rPr>
-              <a:t>不要</a:t>
-            </a:r>
-            <a:r>
-              <a:rPr lang="zh-TW" altLang="en-US" sz="6000" b="1" dirty="0" smtClean="0">
-                <a:latin typeface="微軟正黑體" pitchFamily="34" charset="-120"/>
-                <a:ea typeface="微軟正黑體" pitchFamily="34" charset="-120"/>
-              </a:rPr>
-              <a:t>只在眼前事奉，像是討人喜歡的，要像基督的僕人，從心裡遵行神的旨意</a:t>
-            </a:r>
-            <a:r>
-              <a:rPr lang="zh-TW" altLang="en-US" sz="6000" b="1" dirty="0" smtClean="0">
-                <a:latin typeface="微軟正黑體" pitchFamily="34" charset="-120"/>
-                <a:ea typeface="微軟正黑體" pitchFamily="34" charset="-120"/>
-              </a:rPr>
-              <a:t>。</a:t>
-            </a:r>
-            <a:endParaRPr lang="en-US" altLang="zh-TW" sz="6000" b="1" dirty="0" smtClean="0">
+              <a:t>不要只在眼前事奉，像是討人喜歡的，要像基督的僕人，從心裡遵行神的旨意。</a:t>
+            </a:r>
+            <a:endParaRPr lang="en-US" altLang="zh-TW" sz="6000" b="1" dirty="0">
               <a:latin typeface="微軟正黑體" pitchFamily="34" charset="-120"/>
               <a:ea typeface="微軟正黑體" pitchFamily="34" charset="-120"/>
             </a:endParaRPr>
           </a:p>
           <a:p>
             <a:r>
-              <a:rPr lang="zh-TW" altLang="en-US" sz="6000" dirty="0" smtClean="0"/>
-              <a:t>甘心事奉，好像服事主，不像服事人</a:t>
-            </a:r>
-            <a:r>
-              <a:rPr lang="zh-TW" altLang="en-US" sz="6000" dirty="0" smtClean="0"/>
-              <a:t>。</a:t>
-            </a:r>
-            <a:endParaRPr lang="en-US" altLang="zh-TW" sz="6000" dirty="0" smtClean="0"/>
+              <a:rPr lang="zh-TW" altLang="en-US" sz="6000" dirty="0"/>
+              <a:t>甘心事奉，好像服事主，不像服事人。</a:t>
+            </a:r>
+            <a:endParaRPr lang="en-US" altLang="zh-TW" sz="6000" dirty="0"/>
           </a:p>
         </p:txBody>
       </p:sp>
     </p:spTree>
+    <p:extLst>
+      <p:ext uri="{BB962C8B-B14F-4D97-AF65-F5344CB8AC3E}">
+        <p14:creationId xmlns:p14="http://schemas.microsoft.com/office/powerpoint/2010/main" val="2042846235"/>
+      </p:ext>
+    </p:extLst>
   </p:cSld>
   <p:clrMapOvr>
     <a:masterClrMapping/>
@@ -5403,44 +5399,37 @@
         </p:nvSpPr>
         <p:spPr>
           <a:xfrm>
-            <a:off x="0" y="0"/>
-            <a:ext cx="9144000" cy="7010400"/>
+            <a:off x="152400" y="0"/>
+            <a:ext cx="11582400" cy="7010400"/>
           </a:xfrm>
         </p:spPr>
         <p:txBody>
           <a:bodyPr>
-            <a:normAutofit/>
+            <a:noAutofit/>
           </a:bodyPr>
           <a:lstStyle/>
           <a:p>
             <a:r>
-              <a:rPr lang="zh-TW" altLang="en-US" sz="6000" b="1" dirty="0" smtClean="0">
+              <a:rPr lang="zh-TW" altLang="en-US" sz="6000" b="1" dirty="0">
                 <a:latin typeface="微軟正黑體" pitchFamily="34" charset="-120"/>
                 <a:ea typeface="微軟正黑體" pitchFamily="34" charset="-120"/>
               </a:rPr>
-              <a:t>栽種</a:t>
-            </a:r>
-            <a:r>
-              <a:rPr lang="zh-TW" altLang="en-US" sz="6000" b="1" dirty="0" smtClean="0">
-                <a:latin typeface="微軟正黑體" pitchFamily="34" charset="-120"/>
-                <a:ea typeface="微軟正黑體" pitchFamily="34" charset="-120"/>
-              </a:rPr>
-              <a:t>的和澆灌的，都是一樣，但將來各人要照自己的工夫得自己的賞賜。</a:t>
-            </a:r>
-            <a:endParaRPr lang="en-US" altLang="zh-TW" sz="6000" b="1" dirty="0" smtClean="0">
+              <a:t>栽種的和澆灌的，都是一樣，但將來各人要照自己的工夫得自己的賞賜。</a:t>
+            </a:r>
+            <a:endParaRPr lang="en-US" altLang="zh-TW" sz="6000" b="1" dirty="0">
               <a:latin typeface="微軟正黑體" pitchFamily="34" charset="-120"/>
               <a:ea typeface="微軟正黑體" pitchFamily="34" charset="-120"/>
             </a:endParaRPr>
           </a:p>
           <a:p>
             <a:r>
-              <a:rPr lang="zh-TW" altLang="en-US" sz="6000" dirty="0" smtClean="0">
+              <a:rPr lang="zh-TW" altLang="en-US" sz="6000" dirty="0">
                 <a:latin typeface="微軟正黑體" pitchFamily="34" charset="-120"/>
                 <a:ea typeface="微軟正黑體" pitchFamily="34" charset="-120"/>
               </a:rPr>
               <a:t>若有人用金、銀、寶石、草木，禾楷在這根基上建造，</a:t>
             </a:r>
-            <a:endParaRPr lang="en-US" altLang="zh-TW" sz="6000" b="1" dirty="0" smtClean="0">
+            <a:endParaRPr lang="en-US" altLang="zh-TW" sz="6000" b="1" dirty="0">
               <a:latin typeface="微軟正黑體" pitchFamily="34" charset="-120"/>
               <a:ea typeface="微軟正黑體" pitchFamily="34" charset="-120"/>
             </a:endParaRPr>
@@ -5448,6 +5437,11 @@
         </p:txBody>
       </p:sp>
     </p:spTree>
+    <p:extLst>
+      <p:ext uri="{BB962C8B-B14F-4D97-AF65-F5344CB8AC3E}">
+        <p14:creationId xmlns:p14="http://schemas.microsoft.com/office/powerpoint/2010/main" val="2150567354"/>
+      </p:ext>
+    </p:extLst>
   </p:cSld>
   <p:clrMapOvr>
     <a:masterClrMapping/>
@@ -5491,25 +5485,25 @@
         </p:nvSpPr>
         <p:spPr>
           <a:xfrm>
-            <a:off x="0" y="0"/>
-            <a:ext cx="9144000" cy="7010400"/>
+            <a:off x="152400" y="0"/>
+            <a:ext cx="11582400" cy="7010400"/>
           </a:xfrm>
         </p:spPr>
         <p:txBody>
           <a:bodyPr>
-            <a:normAutofit/>
+            <a:noAutofit/>
           </a:bodyPr>
           <a:lstStyle/>
           <a:p>
             <a:r>
-              <a:rPr lang="zh-TW" altLang="en-US" sz="6000" b="1" dirty="0" smtClean="0">
+              <a:rPr lang="zh-TW" altLang="en-US" sz="6000" b="1" dirty="0">
                 <a:latin typeface="微軟正黑體" pitchFamily="34" charset="-120"/>
                 <a:ea typeface="微軟正黑體" pitchFamily="34" charset="-120"/>
               </a:rPr>
               <a:t>各人的工程必然顯露，因為那日子要將他表明出來，有火發現；這火要試驗各人的工程怎樣。</a:t>
             </a:r>
             <a:r>
-              <a:rPr lang="en-US" altLang="zh-TW" sz="6000" b="1" dirty="0" smtClean="0">
+              <a:rPr lang="en-US" altLang="zh-TW" sz="6000" b="1" dirty="0">
                 <a:latin typeface="微軟正黑體" pitchFamily="34" charset="-120"/>
                 <a:ea typeface="微軟正黑體" pitchFamily="34" charset="-120"/>
               </a:rPr>
@@ -5518,13 +5512,13 @@
           </a:p>
           <a:p>
             <a:r>
-              <a:rPr lang="zh-TW" altLang="en-US" sz="6000" dirty="0" smtClean="0">
+              <a:rPr lang="zh-TW" altLang="en-US" sz="6000" dirty="0">
                 <a:latin typeface="微軟正黑體" pitchFamily="34" charset="-120"/>
                 <a:ea typeface="微軟正黑體" pitchFamily="34" charset="-120"/>
               </a:rPr>
               <a:t>人在那根基上所建造的工程若存得住，他就要得賞賜。</a:t>
             </a:r>
-            <a:endParaRPr lang="en-US" altLang="zh-TW" sz="6000" b="1" dirty="0" smtClean="0">
+            <a:endParaRPr lang="en-US" altLang="zh-TW" sz="6000" b="1" dirty="0">
               <a:latin typeface="微軟正黑體" pitchFamily="34" charset="-120"/>
               <a:ea typeface="微軟正黑體" pitchFamily="34" charset="-120"/>
             </a:endParaRPr>
@@ -5532,6 +5526,11 @@
         </p:txBody>
       </p:sp>
     </p:spTree>
+    <p:extLst>
+      <p:ext uri="{BB962C8B-B14F-4D97-AF65-F5344CB8AC3E}">
+        <p14:creationId xmlns:p14="http://schemas.microsoft.com/office/powerpoint/2010/main" val="2775853658"/>
+      </p:ext>
+    </p:extLst>
   </p:cSld>
   <p:clrMapOvr>
     <a:masterClrMapping/>
@@ -5575,24 +5574,24 @@
         </p:nvSpPr>
         <p:spPr>
           <a:xfrm>
-            <a:off x="0" y="0"/>
-            <a:ext cx="9144000" cy="7010400"/>
+            <a:off x="152400" y="0"/>
+            <a:ext cx="11582400" cy="7010400"/>
           </a:xfrm>
         </p:spPr>
         <p:txBody>
           <a:bodyPr>
-            <a:normAutofit/>
+            <a:noAutofit/>
           </a:bodyPr>
           <a:lstStyle/>
           <a:p>
             <a:r>
-              <a:rPr lang="zh-TW" altLang="en-US" sz="6000" b="1" dirty="0" smtClean="0">
+              <a:rPr lang="zh-TW" altLang="en-US" sz="6000" b="1" dirty="0">
                 <a:latin typeface="微軟正黑體" pitchFamily="34" charset="-120"/>
                 <a:ea typeface="微軟正黑體" pitchFamily="34" charset="-120"/>
               </a:rPr>
               <a:t>人的工程若被燒了，他就要受虧損，自己卻要得救；雖然得救，乃像從火裡經過的一樣。</a:t>
             </a:r>
-            <a:endParaRPr lang="en-US" altLang="zh-TW" sz="6000" b="1" dirty="0" smtClean="0">
+            <a:endParaRPr lang="en-US" altLang="zh-TW" sz="6000" b="1" dirty="0">
               <a:latin typeface="微軟正黑體" pitchFamily="34" charset="-120"/>
               <a:ea typeface="微軟正黑體" pitchFamily="34" charset="-120"/>
             </a:endParaRPr>
@@ -5600,6 +5599,11 @@
         </p:txBody>
       </p:sp>
     </p:spTree>
+    <p:extLst>
+      <p:ext uri="{BB962C8B-B14F-4D97-AF65-F5344CB8AC3E}">
+        <p14:creationId xmlns:p14="http://schemas.microsoft.com/office/powerpoint/2010/main" val="1598803106"/>
+      </p:ext>
+    </p:extLst>
   </p:cSld>
   <p:clrMapOvr>
     <a:masterClrMapping/>

--- a/56事奉.pptx
+++ b/56事奉.pptx
@@ -310,7 +310,7 @@
             <a:fld id="{86B5546F-C09B-4E63-ABC5-F7C86A7E8D66}" type="datetimeFigureOut">
               <a:rPr lang="en-US" smtClean="0"/>
               <a:pPr/>
-              <a:t>2/28/2020</a:t>
+              <a:t>6/29/2021</a:t>
             </a:fld>
             <a:endParaRPr lang="en-US"/>
           </a:p>
@@ -482,7 +482,7 @@
             <a:fld id="{86B5546F-C09B-4E63-ABC5-F7C86A7E8D66}" type="datetimeFigureOut">
               <a:rPr lang="en-US" smtClean="0"/>
               <a:pPr/>
-              <a:t>2/28/2020</a:t>
+              <a:t>6/29/2021</a:t>
             </a:fld>
             <a:endParaRPr lang="en-US"/>
           </a:p>
@@ -664,7 +664,7 @@
             <a:fld id="{86B5546F-C09B-4E63-ABC5-F7C86A7E8D66}" type="datetimeFigureOut">
               <a:rPr lang="en-US" smtClean="0"/>
               <a:pPr/>
-              <a:t>2/28/2020</a:t>
+              <a:t>6/29/2021</a:t>
             </a:fld>
             <a:endParaRPr lang="en-US"/>
           </a:p>
@@ -836,7 +836,7 @@
             <a:fld id="{86B5546F-C09B-4E63-ABC5-F7C86A7E8D66}" type="datetimeFigureOut">
               <a:rPr lang="en-US" smtClean="0"/>
               <a:pPr/>
-              <a:t>2/28/2020</a:t>
+              <a:t>6/29/2021</a:t>
             </a:fld>
             <a:endParaRPr lang="en-US"/>
           </a:p>
@@ -1084,7 +1084,7 @@
             <a:fld id="{86B5546F-C09B-4E63-ABC5-F7C86A7E8D66}" type="datetimeFigureOut">
               <a:rPr lang="en-US" smtClean="0"/>
               <a:pPr/>
-              <a:t>2/28/2020</a:t>
+              <a:t>6/29/2021</a:t>
             </a:fld>
             <a:endParaRPr lang="en-US"/>
           </a:p>
@@ -1374,7 +1374,7 @@
             <a:fld id="{86B5546F-C09B-4E63-ABC5-F7C86A7E8D66}" type="datetimeFigureOut">
               <a:rPr lang="en-US" smtClean="0"/>
               <a:pPr/>
-              <a:t>2/28/2020</a:t>
+              <a:t>6/29/2021</a:t>
             </a:fld>
             <a:endParaRPr lang="en-US"/>
           </a:p>
@@ -1798,7 +1798,7 @@
             <a:fld id="{86B5546F-C09B-4E63-ABC5-F7C86A7E8D66}" type="datetimeFigureOut">
               <a:rPr lang="en-US" smtClean="0"/>
               <a:pPr/>
-              <a:t>2/28/2020</a:t>
+              <a:t>6/29/2021</a:t>
             </a:fld>
             <a:endParaRPr lang="en-US"/>
           </a:p>
@@ -1918,7 +1918,7 @@
             <a:fld id="{86B5546F-C09B-4E63-ABC5-F7C86A7E8D66}" type="datetimeFigureOut">
               <a:rPr lang="en-US" smtClean="0"/>
               <a:pPr/>
-              <a:t>2/28/2020</a:t>
+              <a:t>6/29/2021</a:t>
             </a:fld>
             <a:endParaRPr lang="en-US"/>
           </a:p>
@@ -2015,7 +2015,7 @@
             <a:fld id="{86B5546F-C09B-4E63-ABC5-F7C86A7E8D66}" type="datetimeFigureOut">
               <a:rPr lang="en-US" smtClean="0"/>
               <a:pPr/>
-              <a:t>2/28/2020</a:t>
+              <a:t>6/29/2021</a:t>
             </a:fld>
             <a:endParaRPr lang="en-US"/>
           </a:p>
@@ -2294,7 +2294,7 @@
             <a:fld id="{86B5546F-C09B-4E63-ABC5-F7C86A7E8D66}" type="datetimeFigureOut">
               <a:rPr lang="en-US" smtClean="0"/>
               <a:pPr/>
-              <a:t>2/28/2020</a:t>
+              <a:t>6/29/2021</a:t>
             </a:fld>
             <a:endParaRPr lang="en-US"/>
           </a:p>
@@ -2553,7 +2553,7 @@
             <a:fld id="{86B5546F-C09B-4E63-ABC5-F7C86A7E8D66}" type="datetimeFigureOut">
               <a:rPr lang="en-US" smtClean="0"/>
               <a:pPr/>
-              <a:t>2/28/2020</a:t>
+              <a:t>6/29/2021</a:t>
             </a:fld>
             <a:endParaRPr lang="en-US"/>
           </a:p>
@@ -2773,7 +2773,7 @@
             <a:fld id="{86B5546F-C09B-4E63-ABC5-F7C86A7E8D66}" type="datetimeFigureOut">
               <a:rPr lang="en-US" smtClean="0"/>
               <a:pPr/>
-              <a:t>2/28/2020</a:t>
+              <a:t>6/29/2021</a:t>
             </a:fld>
             <a:endParaRPr lang="en-US"/>
           </a:p>
@@ -3225,17 +3225,27 @@
                 <a:latin typeface="微軟正黑體" pitchFamily="34" charset="-120"/>
                 <a:ea typeface="微軟正黑體" pitchFamily="34" charset="-120"/>
               </a:rPr>
-              <a:t>林前</a:t>
-            </a:r>
-            <a:r>
-              <a:rPr lang="en-US" altLang="zh-CN" b="1" dirty="0">
+              <a:t>林</a:t>
+            </a:r>
+            <a:r>
+              <a:rPr lang="zh-CN" altLang="en-US" b="1" dirty="0" smtClean="0">
                 <a:solidFill>
                   <a:srgbClr val="000066"/>
                 </a:solidFill>
                 <a:latin typeface="微軟正黑體" pitchFamily="34" charset="-120"/>
                 <a:ea typeface="微軟正黑體" pitchFamily="34" charset="-120"/>
               </a:rPr>
-              <a:t>15</a:t>
+              <a:t>前</a:t>
+            </a:r>
+            <a:r>
+              <a:rPr lang="en-US" altLang="zh-CN" b="1" dirty="0" smtClean="0">
+                <a:solidFill>
+                  <a:srgbClr val="000066"/>
+                </a:solidFill>
+                <a:latin typeface="微軟正黑體" pitchFamily="34" charset="-120"/>
+                <a:ea typeface="微軟正黑體" pitchFamily="34" charset="-120"/>
+              </a:rPr>
+              <a:t>  15</a:t>
             </a:r>
             <a:r>
               <a:rPr lang="zh-CN" altLang="en-US" b="1" dirty="0">
@@ -3265,10 +3275,20 @@
                 <a:latin typeface="微軟正黑體" pitchFamily="34" charset="-120"/>
                 <a:ea typeface="微軟正黑體" pitchFamily="34" charset="-120"/>
               </a:rPr>
-              <a:t>；弗</a:t>
-            </a:r>
-            <a:r>
-              <a:rPr lang="en-US" altLang="zh-CN" b="1" dirty="0">
+              <a:t>；</a:t>
+            </a:r>
+            <a:r>
+              <a:rPr lang="zh-CN" altLang="en-US" b="1" dirty="0" smtClean="0">
+                <a:solidFill>
+                  <a:srgbClr val="000066"/>
+                </a:solidFill>
+                <a:latin typeface="微軟正黑體" pitchFamily="34" charset="-120"/>
+                <a:ea typeface="微軟正黑體" pitchFamily="34" charset="-120"/>
+              </a:rPr>
+              <a:t>弗  </a:t>
+            </a:r>
+            <a:r>
+              <a:rPr lang="en-US" altLang="zh-CN" b="1" dirty="0" smtClean="0">
                 <a:solidFill>
                   <a:srgbClr val="000066"/>
                 </a:solidFill>
@@ -3310,17 +3330,17 @@
               <a:t>林</a:t>
             </a:r>
             <a:r>
-              <a:rPr lang="zh-CN" altLang="en-US" b="1" dirty="0">
+              <a:rPr lang="zh-CN" altLang="en-US" b="1" dirty="0" smtClean="0">
                 <a:solidFill>
                   <a:srgbClr val="000066"/>
                 </a:solidFill>
                 <a:latin typeface="微軟正黑體" pitchFamily="34" charset="-120"/>
                 <a:ea typeface="微軟正黑體" pitchFamily="34" charset="-120"/>
               </a:rPr>
-              <a:t>前</a:t>
-            </a:r>
-            <a:r>
-              <a:rPr lang="en-US" altLang="zh-CN" b="1" dirty="0">
+              <a:t>前  </a:t>
+            </a:r>
+            <a:r>
+              <a:rPr lang="en-US" altLang="zh-CN" b="1" dirty="0" smtClean="0">
                 <a:solidFill>
                   <a:srgbClr val="000066"/>
                 </a:solidFill>
@@ -3428,7 +3448,7 @@
           </a:xfrm>
         </p:spPr>
         <p:txBody>
-          <a:bodyPr>
+          <a:bodyPr anchor="ctr">
             <a:noAutofit/>
           </a:bodyPr>
           <a:lstStyle/>
@@ -3502,7 +3522,7 @@
           </a:xfrm>
         </p:spPr>
         <p:txBody>
-          <a:bodyPr>
+          <a:bodyPr anchor="ctr">
             <a:noAutofit/>
           </a:bodyPr>
           <a:lstStyle/>
@@ -3600,7 +3620,7 @@
           </a:xfrm>
         </p:spPr>
         <p:txBody>
-          <a:bodyPr>
+          <a:bodyPr anchor="ctr">
             <a:noAutofit/>
           </a:bodyPr>
           <a:lstStyle/>
@@ -3698,7 +3718,7 @@
           </a:xfrm>
         </p:spPr>
         <p:txBody>
-          <a:bodyPr>
+          <a:bodyPr anchor="ctr">
             <a:noAutofit/>
           </a:bodyPr>
           <a:lstStyle/>
@@ -3799,7 +3819,7 @@
           </a:xfrm>
         </p:spPr>
         <p:txBody>
-          <a:bodyPr>
+          <a:bodyPr anchor="ctr">
             <a:noAutofit/>
           </a:bodyPr>
           <a:lstStyle/>
